--- a/Interrogation_SII/ServoMoteur_CommandeVanne/ServoMoteur_CommandeVanne_Corrige.pptx
+++ b/Interrogation_SII/ServoMoteur_CommandeVanne/ServoMoteur_CommandeVanne_Corrige.pptx
@@ -1781,11 +1781,7 @@
         <a:p>
           <a:r>
             <a:rPr lang="fr-FR" dirty="0" smtClean="0"/>
-            <a:t>Alliage </a:t>
-          </a:r>
-          <a:r>
-            <a:rPr lang="fr-FR" dirty="0" smtClean="0"/>
-            <a:t>d’aluminium résistant à la corrosion</a:t>
+            <a:t>Alliage d’aluminium résistant à la corrosion</a:t>
           </a:r>
         </a:p>
       </dgm:t>
@@ -2585,11 +2581,7 @@
           </a:pPr>
           <a:r>
             <a:rPr lang="fr-FR" sz="1000" kern="1200" dirty="0" smtClean="0"/>
-            <a:t>Alliage </a:t>
-          </a:r>
-          <a:r>
-            <a:rPr lang="fr-FR" sz="1000" kern="1200" dirty="0" smtClean="0"/>
-            <a:t>d’aluminium résistant à la corrosion</a:t>
+            <a:t>Alliage d’aluminium résistant à la corrosion</a:t>
           </a:r>
         </a:p>
       </dsp:txBody>
@@ -10604,8 +10596,8 @@
           </a:p>
         </p:txBody>
       </p:sp>
-      <mc:AlternateContent xmlns:mc="http://schemas.openxmlformats.org/markup-compatibility/2006">
-        <mc:Choice xmlns:a14="http://schemas.microsoft.com/office/drawing/2010/main" Requires="a14">
+      <mc:AlternateContent xmlns:mc="http://schemas.openxmlformats.org/markup-compatibility/2006" xmlns:a14="http://schemas.microsoft.com/office/drawing/2010/main">
+        <mc:Choice Requires="a14">
           <p:sp>
             <p:nvSpPr>
               <p:cNvPr id="5" name="Espace réservé du contenu 4"/>
@@ -10962,15 +10954,7 @@
                       <a:srgbClr val="FF0000"/>
                     </a:solidFill>
                   </a:rPr>
-                  <a:t>Attention, ce n’est pas le rapport du train épi </a:t>
-                </a:r>
-                <a:r>
-                  <a:rPr lang="fr-FR" dirty="0" smtClean="0">
-                    <a:solidFill>
-                      <a:srgbClr val="FF0000"/>
-                    </a:solidFill>
-                  </a:rPr>
-                  <a:t>mais le rapport d’un train simple car le PS est bloqué !</a:t>
+                  <a:t>Attention, ce n’est pas le rapport du train épi mais le rapport d’un train simple car le PS est bloqué !</a:t>
                 </a:r>
                 <a:endParaRPr lang="fr-FR" dirty="0">
                   <a:solidFill>
@@ -11516,13 +11500,8 @@
                 <a:pPr lvl="2"/>
                 <a:r>
                   <a:rPr lang="fr-FR" dirty="0" smtClean="0"/>
-                  <a:t>On néglige l’inertie </a:t>
+                  <a:t>On néglige l’inertie (ou l’accélération vu la faible dynamique du système).</a:t>
                 </a:r>
-                <a:r>
-                  <a:rPr lang="fr-FR" dirty="0" smtClean="0"/>
-                  <a:t>(ou l’accélération vu la faible dynamique du système).</a:t>
-                </a:r>
-                <a:endParaRPr lang="fr-FR" dirty="0" smtClean="0"/>
               </a:p>
               <a:p>
                 <a:pPr lvl="3"/>
@@ -12057,11 +12036,7 @@
               <a:p>
                 <a:r>
                   <a:rPr lang="fr-FR" dirty="0" smtClean="0"/>
-                  <a:t>On fait l’hypothèse que les ressorts sont identiques  (même </a:t>
-                </a:r>
-                <a:r>
-                  <a:rPr lang="fr-FR" dirty="0" smtClean="0"/>
-                  <a:t>raideur, longueur à vide identique</a:t>
+                  <a:t>On fait l’hypothèse que les ressorts sont identiques  (même raideur, longueur à vide identique</a:t>
                 </a:r>
                 <a14:m>
                   <m:oMath xmlns:m="http://schemas.openxmlformats.org/officeDocument/2006/math">
@@ -12100,11 +12075,7 @@
                 </a14:m>
                 <a:r>
                   <a:rPr lang="fr-FR" dirty="0" smtClean="0"/>
-                  <a:t>) </a:t>
-                </a:r>
-                <a:r>
-                  <a:rPr lang="fr-FR" dirty="0" smtClean="0"/>
-                  <a:t>et que la </a:t>
+                  <a:t>) et que la </a:t>
                 </a:r>
                 <a:r>
                   <a:rPr lang="fr-FR" dirty="0" err="1" smtClean="0"/>
@@ -12112,11 +12083,7 @@
                 </a:r>
                 <a:r>
                   <a:rPr lang="fr-FR" dirty="0" smtClean="0"/>
-                  <a:t> est la </a:t>
-                </a:r>
-                <a:r>
-                  <a:rPr lang="fr-FR" dirty="0" smtClean="0"/>
-                  <a:t>même (</a:t>
+                  <a:t> est la même (</a:t>
                 </a:r>
                 <a14:m>
                   <m:oMath xmlns:m="http://schemas.openxmlformats.org/officeDocument/2006/math">
@@ -12155,7 +12122,6 @@
                   <a:rPr lang="fr-FR" dirty="0" smtClean="0"/>
                   <a:t>.</a:t>
                 </a:r>
-                <a:endParaRPr lang="fr-FR" dirty="0" smtClean="0"/>
               </a:p>
               <a:p>
                 <a:r>
@@ -12647,19 +12613,7 @@
                       <a:rPr lang="fr-FR" b="0" i="0" smtClean="0">
                         <a:latin typeface="Cambria Math"/>
                       </a:rPr>
-                      <m:t>=</m:t>
-                    </m:r>
-                    <m:r>
-                      <a:rPr lang="fr-FR" b="0" i="0" smtClean="0">
-                        <a:latin typeface="Cambria Math"/>
-                      </a:rPr>
-                      <m:t>−</m:t>
-                    </m:r>
-                    <m:r>
-                      <a:rPr lang="fr-FR" b="0" i="0" smtClean="0">
-                        <a:latin typeface="Cambria Math"/>
-                      </a:rPr>
-                      <m:t>2</m:t>
+                      <m:t>=−2</m:t>
                     </m:r>
                     <m:r>
                       <m:rPr>
@@ -12797,7 +12751,7 @@
             </p:txBody>
           </p:sp>
         </mc:Choice>
-        <mc:Fallback>
+        <mc:Fallback xmlns="">
           <p:sp>
             <p:nvSpPr>
               <p:cNvPr id="5" name="Espace réservé du contenu 4"/>
@@ -14138,7 +14092,6 @@
               <a:rPr lang="fr-FR" sz="2000" dirty="0" smtClean="0"/>
               <a:t>Ébavurage</a:t>
             </a:r>
-            <a:endParaRPr lang="fr-FR" sz="2000" dirty="0" smtClean="0"/>
           </a:p>
         </p:txBody>
       </p:sp>
@@ -19755,52 +19708,24 @@
             <a:pPr lvl="1"/>
             <a:r>
               <a:rPr lang="fr-FR" dirty="0" smtClean="0"/>
-              <a:t>2 roulements à billes à contact </a:t>
+              <a:t>2 roulements à billes à contact radial</a:t>
             </a:r>
+          </a:p>
+          <a:p>
+            <a:pPr lvl="1"/>
+            <a:endParaRPr lang="fr-FR" dirty="0" smtClean="0"/>
+          </a:p>
+          <a:p>
             <a:r>
               <a:rPr lang="fr-FR" dirty="0" smtClean="0"/>
-              <a:t>radial</a:t>
-            </a:r>
-          </a:p>
-          <a:p>
-            <a:pPr lvl="1"/>
-            <a:endParaRPr lang="fr-FR" dirty="0" smtClean="0"/>
-          </a:p>
-          <a:p>
-            <a:r>
-              <a:rPr lang="fr-FR" dirty="0" smtClean="0"/>
-              <a:t>Suivant </a:t>
-            </a:r>
-            <a:r>
-              <a:rPr lang="fr-FR" dirty="0" smtClean="0"/>
-              <a:t>les arrêts un roulement peut être modéliser par une liaison rotule ou linéaire annulaire</a:t>
+              <a:t>Suivant les arrêts un roulement peut être modéliser par une liaison rotule ou linéaire annulaire</a:t>
             </a:r>
           </a:p>
           <a:p>
             <a:pPr lvl="1"/>
             <a:r>
               <a:rPr lang="fr-FR" dirty="0" smtClean="0"/>
-              <a:t>Liaisons ponctuelles en </a:t>
-            </a:r>
-            <a:r>
-              <a:rPr lang="fr-FR" dirty="0" smtClean="0"/>
-              <a:t>parallèles dont </a:t>
-            </a:r>
-            <a:r>
-              <a:rPr lang="fr-FR" dirty="0" smtClean="0"/>
-              <a:t>les </a:t>
-            </a:r>
-            <a:r>
-              <a:rPr lang="fr-FR" dirty="0" smtClean="0"/>
-              <a:t>normales au contact sont </a:t>
-            </a:r>
-            <a:r>
-              <a:rPr lang="fr-FR" dirty="0" smtClean="0"/>
-              <a:t>concourantes en un </a:t>
-            </a:r>
-            <a:r>
-              <a:rPr lang="fr-FR" dirty="0" smtClean="0"/>
-              <a:t>point </a:t>
+              <a:t>Liaisons ponctuelles en parallèles dont les normales au contact sont concourantes en un point </a:t>
             </a:r>
             <a:r>
               <a:rPr lang="fr-FR" dirty="0" smtClean="0">
@@ -20088,15 +20013,32 @@
           </a:extLst>
         </p:spPr>
       </p:pic>
-      <p:pic>
-        <p:nvPicPr>
-          <p:cNvPr id="3075" name="Picture 3"/>
-          <p:cNvPicPr>
-            <a:picLocks noGrp="1" noChangeAspect="1" noChangeArrowheads="1"/>
-          </p:cNvPicPr>
+      <p:sp>
+        <p:nvSpPr>
+          <p:cNvPr id="5" name="Espace réservé du contenu 4"/>
+          <p:cNvSpPr>
+            <a:spLocks noGrp="1"/>
+          </p:cNvSpPr>
           <p:nvPr>
             <p:ph sz="quarter" idx="1"/>
           </p:nvPr>
+        </p:nvSpPr>
+        <p:spPr/>
+        <p:txBody>
+          <a:bodyPr/>
+          <a:lstStyle/>
+          <a:p>
+            <a:endParaRPr lang="fr-FR"/>
+          </a:p>
+        </p:txBody>
+      </p:sp>
+      <p:pic>
+        <p:nvPicPr>
+          <p:cNvPr id="1026" name="Picture 2"/>
+          <p:cNvPicPr>
+            <a:picLocks noChangeAspect="1" noChangeArrowheads="1"/>
+          </p:cNvPicPr>
+          <p:nvPr/>
         </p:nvPicPr>
         <p:blipFill>
           <a:blip r:embed="rId3">
@@ -20113,8 +20055,8 @@
         </p:blipFill>
         <p:spPr bwMode="auto">
           <a:xfrm>
-            <a:off x="4782204" y="1470905"/>
-            <a:ext cx="4343882" cy="4100542"/>
+            <a:off x="4767409" y="2204864"/>
+            <a:ext cx="4042251" cy="3816424"/>
           </a:xfrm>
           <a:prstGeom prst="rect">
             <a:avLst/>
@@ -20274,8 +20216,8 @@
           </a:p>
         </p:txBody>
       </p:sp>
-      <mc:AlternateContent xmlns:mc="http://schemas.openxmlformats.org/markup-compatibility/2006">
-        <mc:Choice xmlns:a14="http://schemas.microsoft.com/office/drawing/2010/main" Requires="a14">
+      <mc:AlternateContent xmlns:mc="http://schemas.openxmlformats.org/markup-compatibility/2006" xmlns:a14="http://schemas.microsoft.com/office/drawing/2010/main">
+        <mc:Choice Requires="a14">
           <p:sp>
             <p:nvSpPr>
               <p:cNvPr id="260" name="Espace réservé du contenu 4"/>
@@ -20518,13 +20460,7 @@
                               <a:rPr lang="fr-FR" b="0" i="1" smtClean="0">
                                 <a:latin typeface="Cambria Math"/>
                               </a:rPr>
-                              <m:t>2</m:t>
-                            </m:r>
-                            <m:r>
-                              <a:rPr lang="fr-FR" b="0" i="1" smtClean="0">
-                                <a:latin typeface="Cambria Math"/>
-                              </a:rPr>
-                              <m:t>/0</m:t>
+                              <m:t>2/0</m:t>
                             </m:r>
                           </m:sub>
                         </m:sSub>
@@ -20551,13 +20487,7 @@
                               <a:rPr lang="fr-FR" b="0" i="1" smtClean="0">
                                 <a:latin typeface="Cambria Math"/>
                               </a:rPr>
-                              <m:t>28</m:t>
-                            </m:r>
-                            <m:r>
-                              <a:rPr lang="fr-FR" b="0" i="1" smtClean="0">
-                                <a:latin typeface="Cambria Math"/>
-                              </a:rPr>
-                              <m:t>/0</m:t>
+                              <m:t>28/0</m:t>
                             </m:r>
                           </m:sub>
                         </m:sSub>
@@ -20608,13 +20538,7 @@
                               <a:rPr lang="fr-FR" b="0" i="1" smtClean="0">
                                 <a:latin typeface="Cambria Math"/>
                               </a:rPr>
-                              <m:t>0/</m:t>
-                            </m:r>
-                            <m:r>
-                              <a:rPr lang="fr-FR" b="0" i="1" smtClean="0">
-                                <a:latin typeface="Cambria Math"/>
-                              </a:rPr>
-                              <m:t>2</m:t>
+                              <m:t>0/2</m:t>
                             </m:r>
                           </m:sub>
                         </m:sSub>
@@ -20641,19 +20565,7 @@
                               <a:rPr lang="fr-FR" b="0" i="1" smtClean="0">
                                 <a:latin typeface="Cambria Math"/>
                               </a:rPr>
-                              <m:t>28</m:t>
-                            </m:r>
-                            <m:r>
-                              <a:rPr lang="fr-FR" b="0" i="1" smtClean="0">
-                                <a:latin typeface="Cambria Math"/>
-                              </a:rPr>
-                              <m:t>/</m:t>
-                            </m:r>
-                            <m:r>
-                              <a:rPr lang="fr-FR" b="0" i="1" smtClean="0">
-                                <a:latin typeface="Cambria Math"/>
-                              </a:rPr>
-                              <m:t>2</m:t>
+                              <m:t>28/2</m:t>
                             </m:r>
                           </m:sub>
                         </m:sSub>
@@ -20823,19 +20735,7 @@
                               <a:rPr lang="fr-FR" b="0" i="1" smtClean="0">
                                 <a:latin typeface="Cambria Math"/>
                               </a:rPr>
-                              <m:t>0</m:t>
-                            </m:r>
-                            <m:r>
-                              <a:rPr lang="fr-FR" b="0" i="1" smtClean="0">
-                                <a:latin typeface="Cambria Math"/>
-                              </a:rPr>
-                              <m:t>/</m:t>
-                            </m:r>
-                            <m:r>
-                              <a:rPr lang="fr-FR" b="0" i="1" smtClean="0">
-                                <a:latin typeface="Cambria Math"/>
-                              </a:rPr>
-                              <m:t>2</m:t>
+                              <m:t>0/2</m:t>
                             </m:r>
                           </m:sub>
                         </m:sSub>
@@ -20899,13 +20799,7 @@
                               <a:rPr lang="fr-FR" b="0" i="1" smtClean="0">
                                 <a:latin typeface="Cambria Math"/>
                               </a:rPr>
-                              <m:t>2</m:t>
-                            </m:r>
-                            <m:r>
-                              <a:rPr lang="fr-FR" b="0" i="1" smtClean="0">
-                                <a:latin typeface="Cambria Math"/>
-                              </a:rPr>
-                              <m:t>/0</m:t>
+                              <m:t>2/0</m:t>
                             </m:r>
                           </m:sub>
                         </m:sSub>
@@ -21013,13 +20907,7 @@
                           <a:rPr lang="fr-FR" b="0" i="1" smtClean="0">
                             <a:latin typeface="Cambria Math"/>
                           </a:rPr>
-                          <m:t>2</m:t>
-                        </m:r>
-                        <m:r>
-                          <a:rPr lang="fr-FR" b="0" i="1" smtClean="0">
-                            <a:latin typeface="Cambria Math"/>
-                          </a:rPr>
-                          <m:t>/</m:t>
+                          <m:t>2/</m:t>
                         </m:r>
                         <m:r>
                           <a:rPr lang="fr-FR" i="1">
@@ -21158,13 +21046,7 @@
                               <a:rPr lang="fr-FR" b="0" i="1" smtClean="0">
                                 <a:latin typeface="Cambria Math"/>
                               </a:rPr>
-                              <m:t>2</m:t>
-                            </m:r>
-                            <m:r>
-                              <a:rPr lang="fr-FR" b="0" i="1" smtClean="0">
-                                <a:latin typeface="Cambria Math"/>
-                              </a:rPr>
-                              <m:t>/</m:t>
+                              <m:t>2/</m:t>
                             </m:r>
                             <m:r>
                               <a:rPr lang="fr-FR" i="1">
@@ -21207,13 +21089,7 @@
                           <a:rPr lang="fr-FR" b="0" i="1" smtClean="0">
                             <a:latin typeface="Cambria Math"/>
                           </a:rPr>
-                          <m:t>2</m:t>
-                        </m:r>
-                        <m:r>
-                          <a:rPr lang="fr-FR" b="0" i="1" smtClean="0">
-                            <a:latin typeface="Cambria Math"/>
-                          </a:rPr>
-                          <m:t>/</m:t>
+                          <m:t>2/</m:t>
                         </m:r>
                         <m:r>
                           <a:rPr lang="fr-FR" i="1">
@@ -21402,13 +21278,7 @@
                               <a:rPr lang="fr-FR" b="0" i="1" smtClean="0">
                                 <a:latin typeface="Cambria Math"/>
                               </a:rPr>
-                              <m:t>2</m:t>
-                            </m:r>
-                            <m:r>
-                              <a:rPr lang="fr-FR" b="0" i="1" smtClean="0">
-                                <a:latin typeface="Cambria Math"/>
-                              </a:rPr>
-                              <m:t>/</m:t>
+                              <m:t>2/</m:t>
                             </m:r>
                             <m:r>
                               <a:rPr lang="fr-FR" i="1">
@@ -21604,13 +21474,7 @@
                               <a:rPr lang="fr-FR" b="0" i="1" smtClean="0">
                                 <a:latin typeface="Cambria Math"/>
                               </a:rPr>
-                              <m:t>2</m:t>
-                            </m:r>
-                            <m:r>
-                              <a:rPr lang="fr-FR" b="0" i="1" smtClean="0">
-                                <a:latin typeface="Cambria Math"/>
-                              </a:rPr>
-                              <m:t>/</m:t>
+                              <m:t>2/</m:t>
                             </m:r>
                             <m:r>
                               <a:rPr lang="fr-FR" i="1">
@@ -21643,13 +21507,7 @@
                               <a:rPr lang="fr-FR" b="0" i="1" smtClean="0">
                                 <a:latin typeface="Cambria Math"/>
                               </a:rPr>
-                              <m:t>28</m:t>
-                            </m:r>
-                            <m:r>
-                              <a:rPr lang="fr-FR" b="0" i="1" smtClean="0">
-                                <a:latin typeface="Cambria Math"/>
-                              </a:rPr>
-                              <m:t>/</m:t>
+                              <m:t>28/</m:t>
                             </m:r>
                             <m:r>
                               <a:rPr lang="fr-FR" i="1">
@@ -21895,7 +21753,7 @@
             </p:txBody>
           </p:sp>
         </mc:Choice>
-        <mc:Fallback>
+        <mc:Fallback xmlns="">
           <p:sp>
             <p:nvSpPr>
               <p:cNvPr id="260" name="Espace réservé du contenu 4"/>
